--- a/figures/statisticalLearning/ensembleMethods/EnsembleMethodsFigures.pptx
+++ b/figures/statisticalLearning/ensembleMethods/EnsembleMethodsFigures.pptx
@@ -155,10 +155,9 @@
           </a:lstStyle>
           <a:p>
             <a:r>
-              <a:rPr lang="en-US" smtClean="0"/>
+              <a:rPr lang="en-US"/>
               <a:t>Click to edit Master title style</a:t>
             </a:r>
-            <a:endParaRPr lang="en-US"/>
           </a:p>
         </p:txBody>
       </p:sp>
@@ -220,10 +219,9 @@
           </a:lstStyle>
           <a:p>
             <a:r>
-              <a:rPr lang="en-US" smtClean="0"/>
+              <a:rPr lang="en-US"/>
               <a:t>Click to edit Master subtitle style</a:t>
             </a:r>
-            <a:endParaRPr lang="en-US"/>
           </a:p>
         </p:txBody>
       </p:sp>
@@ -244,7 +242,7 @@
           <a:p>
             <a:fld id="{95A4E7F3-76DD-41A9-83EA-1E4A041F8B88}" type="datetimeFigureOut">
               <a:rPr lang="en-US" smtClean="0"/>
-              <a:t>9/9/2018</a:t>
+              <a:t>1/23/2020</a:t>
             </a:fld>
             <a:endParaRPr lang="en-US"/>
           </a:p>
@@ -338,10 +336,9 @@
           <a:lstStyle/>
           <a:p>
             <a:r>
-              <a:rPr lang="en-US" smtClean="0"/>
+              <a:rPr lang="en-US"/>
               <a:t>Click to edit Master title style</a:t>
             </a:r>
-            <a:endParaRPr lang="en-US"/>
           </a:p>
         </p:txBody>
       </p:sp>
@@ -362,38 +359,37 @@
           <a:p>
             <a:pPr lvl="0"/>
             <a:r>
-              <a:rPr lang="en-US" smtClean="0"/>
+              <a:rPr lang="en-US"/>
               <a:t>Click to edit Master text styles</a:t>
             </a:r>
           </a:p>
           <a:p>
             <a:pPr lvl="1"/>
             <a:r>
-              <a:rPr lang="en-US" smtClean="0"/>
+              <a:rPr lang="en-US"/>
               <a:t>Second level</a:t>
             </a:r>
           </a:p>
           <a:p>
             <a:pPr lvl="2"/>
             <a:r>
-              <a:rPr lang="en-US" smtClean="0"/>
+              <a:rPr lang="en-US"/>
               <a:t>Third level</a:t>
             </a:r>
           </a:p>
           <a:p>
             <a:pPr lvl="3"/>
             <a:r>
-              <a:rPr lang="en-US" smtClean="0"/>
+              <a:rPr lang="en-US"/>
               <a:t>Fourth level</a:t>
             </a:r>
           </a:p>
           <a:p>
             <a:pPr lvl="4"/>
             <a:r>
-              <a:rPr lang="en-US" smtClean="0"/>
+              <a:rPr lang="en-US"/>
               <a:t>Fifth level</a:t>
             </a:r>
-            <a:endParaRPr lang="en-US"/>
           </a:p>
         </p:txBody>
       </p:sp>
@@ -414,7 +410,7 @@
           <a:p>
             <a:fld id="{95A4E7F3-76DD-41A9-83EA-1E4A041F8B88}" type="datetimeFigureOut">
               <a:rPr lang="en-US" smtClean="0"/>
-              <a:t>9/9/2018</a:t>
+              <a:t>1/23/2020</a:t>
             </a:fld>
             <a:endParaRPr lang="en-US"/>
           </a:p>
@@ -513,10 +509,9 @@
           <a:lstStyle/>
           <a:p>
             <a:r>
-              <a:rPr lang="en-US" smtClean="0"/>
+              <a:rPr lang="en-US"/>
               <a:t>Click to edit Master title style</a:t>
             </a:r>
-            <a:endParaRPr lang="en-US"/>
           </a:p>
         </p:txBody>
       </p:sp>
@@ -542,38 +537,37 @@
           <a:p>
             <a:pPr lvl="0"/>
             <a:r>
-              <a:rPr lang="en-US" smtClean="0"/>
+              <a:rPr lang="en-US"/>
               <a:t>Click to edit Master text styles</a:t>
             </a:r>
           </a:p>
           <a:p>
             <a:pPr lvl="1"/>
             <a:r>
-              <a:rPr lang="en-US" smtClean="0"/>
+              <a:rPr lang="en-US"/>
               <a:t>Second level</a:t>
             </a:r>
           </a:p>
           <a:p>
             <a:pPr lvl="2"/>
             <a:r>
-              <a:rPr lang="en-US" smtClean="0"/>
+              <a:rPr lang="en-US"/>
               <a:t>Third level</a:t>
             </a:r>
           </a:p>
           <a:p>
             <a:pPr lvl="3"/>
             <a:r>
-              <a:rPr lang="en-US" smtClean="0"/>
+              <a:rPr lang="en-US"/>
               <a:t>Fourth level</a:t>
             </a:r>
           </a:p>
           <a:p>
             <a:pPr lvl="4"/>
             <a:r>
-              <a:rPr lang="en-US" smtClean="0"/>
+              <a:rPr lang="en-US"/>
               <a:t>Fifth level</a:t>
             </a:r>
-            <a:endParaRPr lang="en-US"/>
           </a:p>
         </p:txBody>
       </p:sp>
@@ -594,7 +588,7 @@
           <a:p>
             <a:fld id="{95A4E7F3-76DD-41A9-83EA-1E4A041F8B88}" type="datetimeFigureOut">
               <a:rPr lang="en-US" smtClean="0"/>
-              <a:t>9/9/2018</a:t>
+              <a:t>1/23/2020</a:t>
             </a:fld>
             <a:endParaRPr lang="en-US"/>
           </a:p>
@@ -688,10 +682,9 @@
           <a:lstStyle/>
           <a:p>
             <a:r>
-              <a:rPr lang="en-US" smtClean="0"/>
+              <a:rPr lang="en-US"/>
               <a:t>Click to edit Master title style</a:t>
             </a:r>
-            <a:endParaRPr lang="en-US"/>
           </a:p>
         </p:txBody>
       </p:sp>
@@ -712,38 +705,37 @@
           <a:p>
             <a:pPr lvl="0"/>
             <a:r>
-              <a:rPr lang="en-US" smtClean="0"/>
+              <a:rPr lang="en-US"/>
               <a:t>Click to edit Master text styles</a:t>
             </a:r>
           </a:p>
           <a:p>
             <a:pPr lvl="1"/>
             <a:r>
-              <a:rPr lang="en-US" smtClean="0"/>
+              <a:rPr lang="en-US"/>
               <a:t>Second level</a:t>
             </a:r>
           </a:p>
           <a:p>
             <a:pPr lvl="2"/>
             <a:r>
-              <a:rPr lang="en-US" smtClean="0"/>
+              <a:rPr lang="en-US"/>
               <a:t>Third level</a:t>
             </a:r>
           </a:p>
           <a:p>
             <a:pPr lvl="3"/>
             <a:r>
-              <a:rPr lang="en-US" smtClean="0"/>
+              <a:rPr lang="en-US"/>
               <a:t>Fourth level</a:t>
             </a:r>
           </a:p>
           <a:p>
             <a:pPr lvl="4"/>
             <a:r>
-              <a:rPr lang="en-US" smtClean="0"/>
+              <a:rPr lang="en-US"/>
               <a:t>Fifth level</a:t>
             </a:r>
-            <a:endParaRPr lang="en-US"/>
           </a:p>
         </p:txBody>
       </p:sp>
@@ -764,7 +756,7 @@
           <a:p>
             <a:fld id="{95A4E7F3-76DD-41A9-83EA-1E4A041F8B88}" type="datetimeFigureOut">
               <a:rPr lang="en-US" smtClean="0"/>
-              <a:t>9/9/2018</a:t>
+              <a:t>1/23/2020</a:t>
             </a:fld>
             <a:endParaRPr lang="en-US"/>
           </a:p>
@@ -867,10 +859,9 @@
           </a:lstStyle>
           <a:p>
             <a:r>
-              <a:rPr lang="en-US" smtClean="0"/>
+              <a:rPr lang="en-US"/>
               <a:t>Click to edit Master title style</a:t>
             </a:r>
-            <a:endParaRPr lang="en-US"/>
           </a:p>
         </p:txBody>
       </p:sp>
@@ -987,7 +978,7 @@
           <a:p>
             <a:pPr lvl="0"/>
             <a:r>
-              <a:rPr lang="en-US" smtClean="0"/>
+              <a:rPr lang="en-US"/>
               <a:t>Click to edit Master text styles</a:t>
             </a:r>
           </a:p>
@@ -1010,7 +1001,7 @@
           <a:p>
             <a:fld id="{95A4E7F3-76DD-41A9-83EA-1E4A041F8B88}" type="datetimeFigureOut">
               <a:rPr lang="en-US" smtClean="0"/>
-              <a:t>9/9/2018</a:t>
+              <a:t>1/23/2020</a:t>
             </a:fld>
             <a:endParaRPr lang="en-US"/>
           </a:p>
@@ -1104,10 +1095,9 @@
           <a:lstStyle/>
           <a:p>
             <a:r>
-              <a:rPr lang="en-US" smtClean="0"/>
+              <a:rPr lang="en-US"/>
               <a:t>Click to edit Master title style</a:t>
             </a:r>
-            <a:endParaRPr lang="en-US"/>
           </a:p>
         </p:txBody>
       </p:sp>
@@ -1133,38 +1123,37 @@
           <a:p>
             <a:pPr lvl="0"/>
             <a:r>
-              <a:rPr lang="en-US" smtClean="0"/>
+              <a:rPr lang="en-US"/>
               <a:t>Click to edit Master text styles</a:t>
             </a:r>
           </a:p>
           <a:p>
             <a:pPr lvl="1"/>
             <a:r>
-              <a:rPr lang="en-US" smtClean="0"/>
+              <a:rPr lang="en-US"/>
               <a:t>Second level</a:t>
             </a:r>
           </a:p>
           <a:p>
             <a:pPr lvl="2"/>
             <a:r>
-              <a:rPr lang="en-US" smtClean="0"/>
+              <a:rPr lang="en-US"/>
               <a:t>Third level</a:t>
             </a:r>
           </a:p>
           <a:p>
             <a:pPr lvl="3"/>
             <a:r>
-              <a:rPr lang="en-US" smtClean="0"/>
+              <a:rPr lang="en-US"/>
               <a:t>Fourth level</a:t>
             </a:r>
           </a:p>
           <a:p>
             <a:pPr lvl="4"/>
             <a:r>
-              <a:rPr lang="en-US" smtClean="0"/>
+              <a:rPr lang="en-US"/>
               <a:t>Fifth level</a:t>
             </a:r>
-            <a:endParaRPr lang="en-US"/>
           </a:p>
         </p:txBody>
       </p:sp>
@@ -1190,38 +1179,37 @@
           <a:p>
             <a:pPr lvl="0"/>
             <a:r>
-              <a:rPr lang="en-US" smtClean="0"/>
+              <a:rPr lang="en-US"/>
               <a:t>Click to edit Master text styles</a:t>
             </a:r>
           </a:p>
           <a:p>
             <a:pPr lvl="1"/>
             <a:r>
-              <a:rPr lang="en-US" smtClean="0"/>
+              <a:rPr lang="en-US"/>
               <a:t>Second level</a:t>
             </a:r>
           </a:p>
           <a:p>
             <a:pPr lvl="2"/>
             <a:r>
-              <a:rPr lang="en-US" smtClean="0"/>
+              <a:rPr lang="en-US"/>
               <a:t>Third level</a:t>
             </a:r>
           </a:p>
           <a:p>
             <a:pPr lvl="3"/>
             <a:r>
-              <a:rPr lang="en-US" smtClean="0"/>
+              <a:rPr lang="en-US"/>
               <a:t>Fourth level</a:t>
             </a:r>
           </a:p>
           <a:p>
             <a:pPr lvl="4"/>
             <a:r>
-              <a:rPr lang="en-US" smtClean="0"/>
+              <a:rPr lang="en-US"/>
               <a:t>Fifth level</a:t>
             </a:r>
-            <a:endParaRPr lang="en-US"/>
           </a:p>
         </p:txBody>
       </p:sp>
@@ -1242,7 +1230,7 @@
           <a:p>
             <a:fld id="{95A4E7F3-76DD-41A9-83EA-1E4A041F8B88}" type="datetimeFigureOut">
               <a:rPr lang="en-US" smtClean="0"/>
-              <a:t>9/9/2018</a:t>
+              <a:t>1/23/2020</a:t>
             </a:fld>
             <a:endParaRPr lang="en-US"/>
           </a:p>
@@ -1341,10 +1329,9 @@
           <a:lstStyle/>
           <a:p>
             <a:r>
-              <a:rPr lang="en-US" smtClean="0"/>
+              <a:rPr lang="en-US"/>
               <a:t>Click to edit Master title style</a:t>
             </a:r>
-            <a:endParaRPr lang="en-US"/>
           </a:p>
         </p:txBody>
       </p:sp>
@@ -1407,7 +1394,7 @@
           <a:p>
             <a:pPr lvl="0"/>
             <a:r>
-              <a:rPr lang="en-US" smtClean="0"/>
+              <a:rPr lang="en-US"/>
               <a:t>Click to edit Master text styles</a:t>
             </a:r>
           </a:p>
@@ -1435,38 +1422,37 @@
           <a:p>
             <a:pPr lvl="0"/>
             <a:r>
-              <a:rPr lang="en-US" smtClean="0"/>
+              <a:rPr lang="en-US"/>
               <a:t>Click to edit Master text styles</a:t>
             </a:r>
           </a:p>
           <a:p>
             <a:pPr lvl="1"/>
             <a:r>
-              <a:rPr lang="en-US" smtClean="0"/>
+              <a:rPr lang="en-US"/>
               <a:t>Second level</a:t>
             </a:r>
           </a:p>
           <a:p>
             <a:pPr lvl="2"/>
             <a:r>
-              <a:rPr lang="en-US" smtClean="0"/>
+              <a:rPr lang="en-US"/>
               <a:t>Third level</a:t>
             </a:r>
           </a:p>
           <a:p>
             <a:pPr lvl="3"/>
             <a:r>
-              <a:rPr lang="en-US" smtClean="0"/>
+              <a:rPr lang="en-US"/>
               <a:t>Fourth level</a:t>
             </a:r>
           </a:p>
           <a:p>
             <a:pPr lvl="4"/>
             <a:r>
-              <a:rPr lang="en-US" smtClean="0"/>
+              <a:rPr lang="en-US"/>
               <a:t>Fifth level</a:t>
             </a:r>
-            <a:endParaRPr lang="en-US"/>
           </a:p>
         </p:txBody>
       </p:sp>
@@ -1529,7 +1515,7 @@
           <a:p>
             <a:pPr lvl="0"/>
             <a:r>
-              <a:rPr lang="en-US" smtClean="0"/>
+              <a:rPr lang="en-US"/>
               <a:t>Click to edit Master text styles</a:t>
             </a:r>
           </a:p>
@@ -1557,38 +1543,37 @@
           <a:p>
             <a:pPr lvl="0"/>
             <a:r>
-              <a:rPr lang="en-US" smtClean="0"/>
+              <a:rPr lang="en-US"/>
               <a:t>Click to edit Master text styles</a:t>
             </a:r>
           </a:p>
           <a:p>
             <a:pPr lvl="1"/>
             <a:r>
-              <a:rPr lang="en-US" smtClean="0"/>
+              <a:rPr lang="en-US"/>
               <a:t>Second level</a:t>
             </a:r>
           </a:p>
           <a:p>
             <a:pPr lvl="2"/>
             <a:r>
-              <a:rPr lang="en-US" smtClean="0"/>
+              <a:rPr lang="en-US"/>
               <a:t>Third level</a:t>
             </a:r>
           </a:p>
           <a:p>
             <a:pPr lvl="3"/>
             <a:r>
-              <a:rPr lang="en-US" smtClean="0"/>
+              <a:rPr lang="en-US"/>
               <a:t>Fourth level</a:t>
             </a:r>
           </a:p>
           <a:p>
             <a:pPr lvl="4"/>
             <a:r>
-              <a:rPr lang="en-US" smtClean="0"/>
+              <a:rPr lang="en-US"/>
               <a:t>Fifth level</a:t>
             </a:r>
-            <a:endParaRPr lang="en-US"/>
           </a:p>
         </p:txBody>
       </p:sp>
@@ -1609,7 +1594,7 @@
           <a:p>
             <a:fld id="{95A4E7F3-76DD-41A9-83EA-1E4A041F8B88}" type="datetimeFigureOut">
               <a:rPr lang="en-US" smtClean="0"/>
-              <a:t>9/9/2018</a:t>
+              <a:t>1/23/2020</a:t>
             </a:fld>
             <a:endParaRPr lang="en-US"/>
           </a:p>
@@ -1703,10 +1688,9 @@
           <a:lstStyle/>
           <a:p>
             <a:r>
-              <a:rPr lang="en-US" smtClean="0"/>
+              <a:rPr lang="en-US"/>
               <a:t>Click to edit Master title style</a:t>
             </a:r>
-            <a:endParaRPr lang="en-US"/>
           </a:p>
         </p:txBody>
       </p:sp>
@@ -1727,7 +1711,7 @@
           <a:p>
             <a:fld id="{95A4E7F3-76DD-41A9-83EA-1E4A041F8B88}" type="datetimeFigureOut">
               <a:rPr lang="en-US" smtClean="0"/>
-              <a:t>9/9/2018</a:t>
+              <a:t>1/23/2020</a:t>
             </a:fld>
             <a:endParaRPr lang="en-US"/>
           </a:p>
@@ -1822,7 +1806,7 @@
           <a:p>
             <a:fld id="{95A4E7F3-76DD-41A9-83EA-1E4A041F8B88}" type="datetimeFigureOut">
               <a:rPr lang="en-US" smtClean="0"/>
-              <a:t>9/9/2018</a:t>
+              <a:t>1/23/2020</a:t>
             </a:fld>
             <a:endParaRPr lang="en-US"/>
           </a:p>
@@ -1925,10 +1909,9 @@
           </a:lstStyle>
           <a:p>
             <a:r>
-              <a:rPr lang="en-US" smtClean="0"/>
+              <a:rPr lang="en-US"/>
               <a:t>Click to edit Master title style</a:t>
             </a:r>
-            <a:endParaRPr lang="en-US"/>
           </a:p>
         </p:txBody>
       </p:sp>
@@ -1982,38 +1965,37 @@
           <a:p>
             <a:pPr lvl="0"/>
             <a:r>
-              <a:rPr lang="en-US" smtClean="0"/>
+              <a:rPr lang="en-US"/>
               <a:t>Click to edit Master text styles</a:t>
             </a:r>
           </a:p>
           <a:p>
             <a:pPr lvl="1"/>
             <a:r>
-              <a:rPr lang="en-US" smtClean="0"/>
+              <a:rPr lang="en-US"/>
               <a:t>Second level</a:t>
             </a:r>
           </a:p>
           <a:p>
             <a:pPr lvl="2"/>
             <a:r>
-              <a:rPr lang="en-US" smtClean="0"/>
+              <a:rPr lang="en-US"/>
               <a:t>Third level</a:t>
             </a:r>
           </a:p>
           <a:p>
             <a:pPr lvl="3"/>
             <a:r>
-              <a:rPr lang="en-US" smtClean="0"/>
+              <a:rPr lang="en-US"/>
               <a:t>Fourth level</a:t>
             </a:r>
           </a:p>
           <a:p>
             <a:pPr lvl="4"/>
             <a:r>
-              <a:rPr lang="en-US" smtClean="0"/>
+              <a:rPr lang="en-US"/>
               <a:t>Fifth level</a:t>
             </a:r>
-            <a:endParaRPr lang="en-US"/>
           </a:p>
         </p:txBody>
       </p:sp>
@@ -2076,7 +2058,7 @@
           <a:p>
             <a:pPr lvl="0"/>
             <a:r>
-              <a:rPr lang="en-US" smtClean="0"/>
+              <a:rPr lang="en-US"/>
               <a:t>Click to edit Master text styles</a:t>
             </a:r>
           </a:p>
@@ -2099,7 +2081,7 @@
           <a:p>
             <a:fld id="{95A4E7F3-76DD-41A9-83EA-1E4A041F8B88}" type="datetimeFigureOut">
               <a:rPr lang="en-US" smtClean="0"/>
-              <a:t>9/9/2018</a:t>
+              <a:t>1/23/2020</a:t>
             </a:fld>
             <a:endParaRPr lang="en-US"/>
           </a:p>
@@ -2202,10 +2184,9 @@
           </a:lstStyle>
           <a:p>
             <a:r>
-              <a:rPr lang="en-US" smtClean="0"/>
+              <a:rPr lang="en-US"/>
               <a:t>Click to edit Master title style</a:t>
             </a:r>
-            <a:endParaRPr lang="en-US"/>
           </a:p>
         </p:txBody>
       </p:sp>
@@ -2329,7 +2310,7 @@
           <a:p>
             <a:pPr lvl="0"/>
             <a:r>
-              <a:rPr lang="en-US" smtClean="0"/>
+              <a:rPr lang="en-US"/>
               <a:t>Click to edit Master text styles</a:t>
             </a:r>
           </a:p>
@@ -2352,7 +2333,7 @@
           <a:p>
             <a:fld id="{95A4E7F3-76DD-41A9-83EA-1E4A041F8B88}" type="datetimeFigureOut">
               <a:rPr lang="en-US" smtClean="0"/>
-              <a:t>9/9/2018</a:t>
+              <a:t>1/23/2020</a:t>
             </a:fld>
             <a:endParaRPr lang="en-US"/>
           </a:p>
@@ -2461,10 +2442,9 @@
           <a:lstStyle/>
           <a:p>
             <a:r>
-              <a:rPr lang="en-US" smtClean="0"/>
+              <a:rPr lang="en-US"/>
               <a:t>Click to edit Master title style</a:t>
             </a:r>
-            <a:endParaRPr lang="en-US"/>
           </a:p>
         </p:txBody>
       </p:sp>
@@ -2495,38 +2475,37 @@
           <a:p>
             <a:pPr lvl="0"/>
             <a:r>
-              <a:rPr lang="en-US" smtClean="0"/>
+              <a:rPr lang="en-US"/>
               <a:t>Click to edit Master text styles</a:t>
             </a:r>
           </a:p>
           <a:p>
             <a:pPr lvl="1"/>
             <a:r>
-              <a:rPr lang="en-US" smtClean="0"/>
+              <a:rPr lang="en-US"/>
               <a:t>Second level</a:t>
             </a:r>
           </a:p>
           <a:p>
             <a:pPr lvl="2"/>
             <a:r>
-              <a:rPr lang="en-US" smtClean="0"/>
+              <a:rPr lang="en-US"/>
               <a:t>Third level</a:t>
             </a:r>
           </a:p>
           <a:p>
             <a:pPr lvl="3"/>
             <a:r>
-              <a:rPr lang="en-US" smtClean="0"/>
+              <a:rPr lang="en-US"/>
               <a:t>Fourth level</a:t>
             </a:r>
           </a:p>
           <a:p>
             <a:pPr lvl="4"/>
             <a:r>
-              <a:rPr lang="en-US" smtClean="0"/>
+              <a:rPr lang="en-US"/>
               <a:t>Fifth level</a:t>
             </a:r>
-            <a:endParaRPr lang="en-US"/>
           </a:p>
         </p:txBody>
       </p:sp>
@@ -2565,7 +2544,7 @@
           <a:p>
             <a:fld id="{95A4E7F3-76DD-41A9-83EA-1E4A041F8B88}" type="datetimeFigureOut">
               <a:rPr lang="en-US" smtClean="0"/>
-              <a:t>9/9/2018</a:t>
+              <a:t>1/23/2020</a:t>
             </a:fld>
             <a:endParaRPr lang="en-US"/>
           </a:p>
@@ -3027,7 +3006,7 @@
             <a:p>
               <a:pPr algn="ctr"/>
               <a:r>
-                <a:rPr lang="en-US" altLang="zh-CN" dirty="0" smtClean="0">
+                <a:rPr lang="en-US" altLang="zh-CN" dirty="0">
                   <a:solidFill>
                     <a:schemeClr val="tx1"/>
                   </a:solidFill>
@@ -3085,7 +3064,7 @@
             <a:p>
               <a:pPr algn="ctr"/>
               <a:r>
-                <a:rPr lang="en-US" altLang="zh-CN" dirty="0" smtClean="0">
+                <a:rPr lang="en-US" altLang="zh-CN" dirty="0">
                   <a:solidFill>
                     <a:schemeClr val="tx1"/>
                   </a:solidFill>
@@ -3161,10 +3140,9 @@
             <a:lstStyle/>
             <a:p>
               <a:r>
-                <a:rPr lang="en-US" dirty="0" smtClean="0"/>
+                <a:rPr lang="en-US" dirty="0"/>
                 <a:t>train</a:t>
               </a:r>
-              <a:endParaRPr lang="en-US" dirty="0"/>
             </a:p>
           </p:txBody>
         </p:sp>
@@ -3230,10 +3208,9 @@
             <a:lstStyle/>
             <a:p>
               <a:r>
-                <a:rPr lang="en-US" dirty="0" smtClean="0"/>
+                <a:rPr lang="en-US" dirty="0"/>
                 <a:t>adjust sample weight</a:t>
               </a:r>
-              <a:endParaRPr lang="en-US" dirty="0"/>
             </a:p>
           </p:txBody>
         </p:sp>
@@ -3280,7 +3257,7 @@
             <a:p>
               <a:pPr algn="ctr"/>
               <a:r>
-                <a:rPr lang="en-US" altLang="zh-CN" dirty="0" smtClean="0">
+                <a:rPr lang="en-US" altLang="zh-CN" dirty="0">
                   <a:solidFill>
                     <a:schemeClr val="tx1"/>
                   </a:solidFill>
@@ -3356,10 +3333,9 @@
             <a:lstStyle/>
             <a:p>
               <a:r>
-                <a:rPr lang="en-US" dirty="0" smtClean="0"/>
+                <a:rPr lang="en-US" dirty="0"/>
                 <a:t>adjust sample weight</a:t>
               </a:r>
-              <a:endParaRPr lang="en-US" dirty="0"/>
             </a:p>
           </p:txBody>
         </p:sp>
@@ -3406,7 +3382,7 @@
             <a:p>
               <a:pPr algn="ctr"/>
               <a:r>
-                <a:rPr lang="en-US" altLang="zh-CN" dirty="0" smtClean="0">
+                <a:rPr lang="en-US" altLang="zh-CN" dirty="0">
                   <a:solidFill>
                     <a:schemeClr val="tx1"/>
                   </a:solidFill>
@@ -3444,15 +3420,14 @@
             <a:lstStyle/>
             <a:p>
               <a:r>
-                <a:rPr lang="en-US" dirty="0" smtClean="0"/>
+                <a:rPr lang="en-US" dirty="0"/>
                 <a:t>adjust sample weight</a:t>
               </a:r>
-              <a:endParaRPr lang="en-US" dirty="0"/>
             </a:p>
           </p:txBody>
         </p:sp>
-        <mc:AlternateContent xmlns:mc="http://schemas.openxmlformats.org/markup-compatibility/2006">
-          <mc:Choice xmlns:a14="http://schemas.microsoft.com/office/drawing/2010/main" Requires="a14">
+        <mc:AlternateContent xmlns:mc="http://schemas.openxmlformats.org/markup-compatibility/2006" xmlns:a14="http://schemas.microsoft.com/office/drawing/2010/main">
+          <mc:Choice Requires="a14">
             <p:sp>
               <p:nvSpPr>
                 <p:cNvPr id="76" name="TextBox 75"/>
@@ -3475,6 +3450,7 @@
                 </a:bodyPr>
                 <a:lstStyle/>
                 <a:p>
+                  <a:pPr/>
                   <a14:m>
                     <m:oMathPara xmlns:m="http://schemas.openxmlformats.org/officeDocument/2006/math">
                       <m:oMathParaPr>
@@ -3532,7 +3508,7 @@
               </p:txBody>
             </p:sp>
           </mc:Choice>
-          <mc:Fallback>
+          <mc:Fallback xmlns="">
             <p:sp>
               <p:nvSpPr>
                 <p:cNvPr id="76" name="TextBox 75"/>
@@ -3630,15 +3606,14 @@
             <a:lstStyle/>
             <a:p>
               <a:r>
-                <a:rPr lang="en-US" dirty="0" smtClean="0"/>
+                <a:rPr lang="en-US" dirty="0"/>
                 <a:t>train</a:t>
               </a:r>
-              <a:endParaRPr lang="en-US" dirty="0"/>
             </a:p>
           </p:txBody>
         </p:sp>
-        <mc:AlternateContent xmlns:mc="http://schemas.openxmlformats.org/markup-compatibility/2006">
-          <mc:Choice xmlns:a14="http://schemas.microsoft.com/office/drawing/2010/main" Requires="a14">
+        <mc:AlternateContent xmlns:mc="http://schemas.openxmlformats.org/markup-compatibility/2006" xmlns:a14="http://schemas.microsoft.com/office/drawing/2010/main">
+          <mc:Choice Requires="a14">
             <p:sp>
               <p:nvSpPr>
                 <p:cNvPr id="79" name="TextBox 78"/>
@@ -3661,6 +3636,7 @@
                 </a:bodyPr>
                 <a:lstStyle/>
                 <a:p>
+                  <a:pPr/>
                   <a14:m>
                     <m:oMathPara xmlns:m="http://schemas.openxmlformats.org/officeDocument/2006/math">
                       <m:oMathParaPr>
@@ -3718,7 +3694,7 @@
               </p:txBody>
             </p:sp>
           </mc:Choice>
-          <mc:Fallback>
+          <mc:Fallback xmlns="">
             <p:sp>
               <p:nvSpPr>
                 <p:cNvPr id="79" name="TextBox 78"/>
@@ -3816,15 +3792,14 @@
             <a:lstStyle/>
             <a:p>
               <a:r>
-                <a:rPr lang="en-US" dirty="0" smtClean="0"/>
+                <a:rPr lang="en-US" dirty="0"/>
                 <a:t>train</a:t>
               </a:r>
-              <a:endParaRPr lang="en-US" dirty="0"/>
             </a:p>
           </p:txBody>
         </p:sp>
-        <mc:AlternateContent xmlns:mc="http://schemas.openxmlformats.org/markup-compatibility/2006">
-          <mc:Choice xmlns:a14="http://schemas.microsoft.com/office/drawing/2010/main" Requires="a14">
+        <mc:AlternateContent xmlns:mc="http://schemas.openxmlformats.org/markup-compatibility/2006" xmlns:a14="http://schemas.microsoft.com/office/drawing/2010/main">
+          <mc:Choice Requires="a14">
             <p:sp>
               <p:nvSpPr>
                 <p:cNvPr id="82" name="TextBox 81"/>
@@ -3847,6 +3822,7 @@
                 </a:bodyPr>
                 <a:lstStyle/>
                 <a:p>
+                  <a:pPr/>
                   <a14:m>
                     <m:oMathPara xmlns:m="http://schemas.openxmlformats.org/officeDocument/2006/math">
                       <m:oMathParaPr>
@@ -3904,7 +3880,7 @@
               </p:txBody>
             </p:sp>
           </mc:Choice>
-          <mc:Fallback>
+          <mc:Fallback xmlns="">
             <p:sp>
               <p:nvSpPr>
                 <p:cNvPr id="82" name="TextBox 81"/>
@@ -3943,8 +3919,8 @@
             </p:sp>
           </mc:Fallback>
         </mc:AlternateContent>
-        <mc:AlternateContent xmlns:mc="http://schemas.openxmlformats.org/markup-compatibility/2006">
-          <mc:Choice xmlns:a14="http://schemas.microsoft.com/office/drawing/2010/main" Requires="a14">
+        <mc:AlternateContent xmlns:mc="http://schemas.openxmlformats.org/markup-compatibility/2006" xmlns:a14="http://schemas.microsoft.com/office/drawing/2010/main">
+          <mc:Choice Requires="a14">
             <p:sp>
               <p:nvSpPr>
                 <p:cNvPr id="83" name="TextBox 82"/>
@@ -3967,6 +3943,7 @@
                 </a:bodyPr>
                 <a:lstStyle/>
                 <a:p>
+                  <a:pPr/>
                   <a14:m>
                     <m:oMathPara xmlns:m="http://schemas.openxmlformats.org/officeDocument/2006/math">
                       <m:oMathParaPr>
@@ -3987,7 +3964,7 @@
               </p:txBody>
             </p:sp>
           </mc:Choice>
-          <mc:Fallback>
+          <mc:Fallback xmlns="">
             <p:sp>
               <p:nvSpPr>
                 <p:cNvPr id="83" name="TextBox 82"/>
@@ -4085,15 +4062,14 @@
             <a:lstStyle/>
             <a:p>
               <a:r>
-                <a:rPr lang="en-US" dirty="0" smtClean="0"/>
+                <a:rPr lang="en-US" dirty="0"/>
                 <a:t>train</a:t>
               </a:r>
-              <a:endParaRPr lang="en-US" dirty="0"/>
             </a:p>
           </p:txBody>
         </p:sp>
-        <mc:AlternateContent xmlns:mc="http://schemas.openxmlformats.org/markup-compatibility/2006">
-          <mc:Choice xmlns:a14="http://schemas.microsoft.com/office/drawing/2010/main" Requires="a14">
+        <mc:AlternateContent xmlns:mc="http://schemas.openxmlformats.org/markup-compatibility/2006" xmlns:a14="http://schemas.microsoft.com/office/drawing/2010/main">
+          <mc:Choice Requires="a14">
             <p:sp>
               <p:nvSpPr>
                 <p:cNvPr id="86" name="TextBox 85"/>
@@ -4116,6 +4092,7 @@
                 </a:bodyPr>
                 <a:lstStyle/>
                 <a:p>
+                  <a:pPr/>
                   <a14:m>
                     <m:oMathPara xmlns:m="http://schemas.openxmlformats.org/officeDocument/2006/math">
                       <m:oMathParaPr>
@@ -4173,7 +4150,7 @@
               </p:txBody>
             </p:sp>
           </mc:Choice>
-          <mc:Fallback>
+          <mc:Fallback xmlns="">
             <p:sp>
               <p:nvSpPr>
                 <p:cNvPr id="86" name="TextBox 85"/>
@@ -4212,8 +4189,8 @@
             </p:sp>
           </mc:Fallback>
         </mc:AlternateContent>
-        <mc:AlternateContent xmlns:mc="http://schemas.openxmlformats.org/markup-compatibility/2006">
-          <mc:Choice xmlns:a14="http://schemas.microsoft.com/office/drawing/2010/main" Requires="a14">
+        <mc:AlternateContent xmlns:mc="http://schemas.openxmlformats.org/markup-compatibility/2006" xmlns:a14="http://schemas.microsoft.com/office/drawing/2010/main">
+          <mc:Choice Requires="a14">
             <p:sp>
               <p:nvSpPr>
                 <p:cNvPr id="87" name="TextBox 86"/>
@@ -4236,6 +4213,7 @@
                 </a:bodyPr>
                 <a:lstStyle/>
                 <a:p>
+                  <a:pPr/>
                   <a14:m>
                     <m:oMathPara xmlns:m="http://schemas.openxmlformats.org/officeDocument/2006/math">
                       <m:oMathParaPr>
@@ -4412,7 +4390,7 @@
               </p:txBody>
             </p:sp>
           </mc:Choice>
-          <mc:Fallback>
+          <mc:Fallback xmlns="">
             <p:sp>
               <p:nvSpPr>
                 <p:cNvPr id="87" name="TextBox 86"/>

--- a/figures/statisticalLearning/ensembleMethods/EnsembleMethodsFigures.pptx
+++ b/figures/statisticalLearning/ensembleMethods/EnsembleMethodsFigures.pptx
@@ -242,7 +242,7 @@
           <a:p>
             <a:fld id="{95A4E7F3-76DD-41A9-83EA-1E4A041F8B88}" type="datetimeFigureOut">
               <a:rPr lang="en-US" smtClean="0"/>
-              <a:t>1/23/2020</a:t>
+              <a:t>10/9/2021</a:t>
             </a:fld>
             <a:endParaRPr lang="en-US"/>
           </a:p>
@@ -410,7 +410,7 @@
           <a:p>
             <a:fld id="{95A4E7F3-76DD-41A9-83EA-1E4A041F8B88}" type="datetimeFigureOut">
               <a:rPr lang="en-US" smtClean="0"/>
-              <a:t>1/23/2020</a:t>
+              <a:t>10/9/2021</a:t>
             </a:fld>
             <a:endParaRPr lang="en-US"/>
           </a:p>
@@ -588,7 +588,7 @@
           <a:p>
             <a:fld id="{95A4E7F3-76DD-41A9-83EA-1E4A041F8B88}" type="datetimeFigureOut">
               <a:rPr lang="en-US" smtClean="0"/>
-              <a:t>1/23/2020</a:t>
+              <a:t>10/9/2021</a:t>
             </a:fld>
             <a:endParaRPr lang="en-US"/>
           </a:p>
@@ -756,7 +756,7 @@
           <a:p>
             <a:fld id="{95A4E7F3-76DD-41A9-83EA-1E4A041F8B88}" type="datetimeFigureOut">
               <a:rPr lang="en-US" smtClean="0"/>
-              <a:t>1/23/2020</a:t>
+              <a:t>10/9/2021</a:t>
             </a:fld>
             <a:endParaRPr lang="en-US"/>
           </a:p>
@@ -1001,7 +1001,7 @@
           <a:p>
             <a:fld id="{95A4E7F3-76DD-41A9-83EA-1E4A041F8B88}" type="datetimeFigureOut">
               <a:rPr lang="en-US" smtClean="0"/>
-              <a:t>1/23/2020</a:t>
+              <a:t>10/9/2021</a:t>
             </a:fld>
             <a:endParaRPr lang="en-US"/>
           </a:p>
@@ -1230,7 +1230,7 @@
           <a:p>
             <a:fld id="{95A4E7F3-76DD-41A9-83EA-1E4A041F8B88}" type="datetimeFigureOut">
               <a:rPr lang="en-US" smtClean="0"/>
-              <a:t>1/23/2020</a:t>
+              <a:t>10/9/2021</a:t>
             </a:fld>
             <a:endParaRPr lang="en-US"/>
           </a:p>
@@ -1594,7 +1594,7 @@
           <a:p>
             <a:fld id="{95A4E7F3-76DD-41A9-83EA-1E4A041F8B88}" type="datetimeFigureOut">
               <a:rPr lang="en-US" smtClean="0"/>
-              <a:t>1/23/2020</a:t>
+              <a:t>10/9/2021</a:t>
             </a:fld>
             <a:endParaRPr lang="en-US"/>
           </a:p>
@@ -1711,7 +1711,7 @@
           <a:p>
             <a:fld id="{95A4E7F3-76DD-41A9-83EA-1E4A041F8B88}" type="datetimeFigureOut">
               <a:rPr lang="en-US" smtClean="0"/>
-              <a:t>1/23/2020</a:t>
+              <a:t>10/9/2021</a:t>
             </a:fld>
             <a:endParaRPr lang="en-US"/>
           </a:p>
@@ -1806,7 +1806,7 @@
           <a:p>
             <a:fld id="{95A4E7F3-76DD-41A9-83EA-1E4A041F8B88}" type="datetimeFigureOut">
               <a:rPr lang="en-US" smtClean="0"/>
-              <a:t>1/23/2020</a:t>
+              <a:t>10/9/2021</a:t>
             </a:fld>
             <a:endParaRPr lang="en-US"/>
           </a:p>
@@ -2081,7 +2081,7 @@
           <a:p>
             <a:fld id="{95A4E7F3-76DD-41A9-83EA-1E4A041F8B88}" type="datetimeFigureOut">
               <a:rPr lang="en-US" smtClean="0"/>
-              <a:t>1/23/2020</a:t>
+              <a:t>10/9/2021</a:t>
             </a:fld>
             <a:endParaRPr lang="en-US"/>
           </a:p>
@@ -2333,7 +2333,7 @@
           <a:p>
             <a:fld id="{95A4E7F3-76DD-41A9-83EA-1E4A041F8B88}" type="datetimeFigureOut">
               <a:rPr lang="en-US" smtClean="0"/>
-              <a:t>1/23/2020</a:t>
+              <a:t>10/9/2021</a:t>
             </a:fld>
             <a:endParaRPr lang="en-US"/>
           </a:p>
@@ -2544,7 +2544,7 @@
           <a:p>
             <a:fld id="{95A4E7F3-76DD-41A9-83EA-1E4A041F8B88}" type="datetimeFigureOut">
               <a:rPr lang="en-US" smtClean="0"/>
-              <a:t>1/23/2020</a:t>
+              <a:t>10/9/2021</a:t>
             </a:fld>
             <a:endParaRPr lang="en-US"/>
           </a:p>
@@ -2958,9 +2958,9 @@
         <p:grpSpPr>
           <a:xfrm>
             <a:off x="2219325" y="1989088"/>
-            <a:ext cx="7950236" cy="2857839"/>
+            <a:ext cx="7950236" cy="2993325"/>
             <a:chOff x="2219325" y="1989088"/>
-            <a:chExt cx="7950236" cy="2857839"/>
+            <a:chExt cx="7950236" cy="2993325"/>
           </a:xfrm>
         </p:grpSpPr>
         <p:sp>
@@ -4068,8 +4068,8 @@
             </a:p>
           </p:txBody>
         </p:sp>
-        <mc:AlternateContent xmlns:mc="http://schemas.openxmlformats.org/markup-compatibility/2006" xmlns:a14="http://schemas.microsoft.com/office/drawing/2010/main">
-          <mc:Choice Requires="a14">
+        <mc:AlternateContent xmlns:mc="http://schemas.openxmlformats.org/markup-compatibility/2006">
+          <mc:Choice xmlns:a14="http://schemas.microsoft.com/office/drawing/2010/main" Requires="a14">
             <p:sp>
               <p:nvSpPr>
                 <p:cNvPr id="86" name="TextBox 85"/>
@@ -4079,7 +4079,7 @@
               <p:spPr>
                 <a:xfrm>
                   <a:off x="9151910" y="3515794"/>
-                  <a:ext cx="810029" cy="369332"/>
+                  <a:ext cx="815608" cy="369332"/>
                 </a:xfrm>
                 <a:prstGeom prst="rect">
                   <a:avLst/>
@@ -4120,7 +4120,7 @@
                               <a:rPr lang="en-US" b="0" i="1" smtClean="0">
                                 <a:latin typeface="Cambria Math" panose="02040503050406030204" pitchFamily="18" charset="0"/>
                               </a:rPr>
-                              <m:t>𝑛</m:t>
+                              <m:t>𝑇</m:t>
                             </m:r>
                           </m:sub>
                         </m:sSub>
@@ -4150,7 +4150,7 @@
               </p:txBody>
             </p:sp>
           </mc:Choice>
-          <mc:Fallback xmlns="">
+          <mc:Fallback>
             <p:sp>
               <p:nvSpPr>
                 <p:cNvPr id="86" name="TextBox 85"/>
@@ -4162,12 +4162,12 @@
               <p:spPr>
                 <a:xfrm>
                   <a:off x="9151910" y="3515794"/>
-                  <a:ext cx="810029" cy="369332"/>
+                  <a:ext cx="815608" cy="369332"/>
                 </a:xfrm>
                 <a:prstGeom prst="rect">
                   <a:avLst/>
                 </a:prstGeom>
-                <a:blipFill rotWithShape="0">
+                <a:blipFill>
                   <a:blip r:embed="rId6"/>
                   <a:stretch>
                     <a:fillRect b="-13333"/>
@@ -4189,8 +4189,8 @@
             </p:sp>
           </mc:Fallback>
         </mc:AlternateContent>
-        <mc:AlternateContent xmlns:mc="http://schemas.openxmlformats.org/markup-compatibility/2006" xmlns:a14="http://schemas.microsoft.com/office/drawing/2010/main">
-          <mc:Choice Requires="a14">
+        <mc:AlternateContent xmlns:mc="http://schemas.openxmlformats.org/markup-compatibility/2006">
+          <mc:Choice xmlns:a14="http://schemas.microsoft.com/office/drawing/2010/main" Requires="a14">
             <p:sp>
               <p:nvSpPr>
                 <p:cNvPr id="87" name="TextBox 86"/>
@@ -4200,7 +4200,7 @@
               <p:spPr>
                 <a:xfrm>
                   <a:off x="4830278" y="3998361"/>
-                  <a:ext cx="2883738" cy="848566"/>
+                  <a:ext cx="3032690" cy="984052"/>
                 </a:xfrm>
                 <a:prstGeom prst="rect">
                   <a:avLst/>
@@ -4224,7 +4224,7 @@
                           <a:rPr lang="en-US" b="0" i="1" smtClean="0">
                             <a:latin typeface="Cambria Math" panose="02040503050406030204" pitchFamily="18" charset="0"/>
                           </a:rPr>
-                          <m:t>h</m:t>
+                          <m:t>𝐻</m:t>
                         </m:r>
                         <m:d>
                           <m:dPr>
@@ -4265,7 +4265,25 @@
                           <a:rPr lang="en-US" b="0" i="0" smtClean="0">
                             <a:latin typeface="Cambria Math" panose="02040503050406030204" pitchFamily="18" charset="0"/>
                           </a:rPr>
-                          <m:t>sgn</m:t>
+                          <m:t>S</m:t>
+                        </m:r>
+                        <m:r>
+                          <m:rPr>
+                            <m:sty m:val="p"/>
+                          </m:rPr>
+                          <a:rPr lang="en-US" altLang="zh-CN" i="1">
+                            <a:latin typeface="Cambria Math" panose="02040503050406030204" pitchFamily="18" charset="0"/>
+                          </a:rPr>
+                          <m:t>i</m:t>
+                        </m:r>
+                        <m:r>
+                          <m:rPr>
+                            <m:sty m:val="p"/>
+                          </m:rPr>
+                          <a:rPr lang="en-US" b="0" i="0" smtClean="0">
+                            <a:latin typeface="Cambria Math" panose="02040503050406030204" pitchFamily="18" charset="0"/>
+                          </a:rPr>
+                          <m:t>gn</m:t>
                         </m:r>
                         <m:d>
                           <m:dPr>
@@ -4287,13 +4305,10 @@
                               </m:naryPr>
                               <m:sub>
                                 <m:r>
-                                  <m:rPr>
-                                    <m:brk m:alnAt="23"/>
-                                  </m:rPr>
-                                  <a:rPr lang="en-US" i="1">
+                                  <a:rPr lang="en-US" b="0" i="1" smtClean="0">
                                     <a:latin typeface="Cambria Math" panose="02040503050406030204" pitchFamily="18" charset="0"/>
                                   </a:rPr>
-                                  <m:t>𝑖</m:t>
+                                  <m:t>𝑡</m:t>
                                 </m:r>
                                 <m:r>
                                   <a:rPr lang="en-US" i="1">
@@ -4304,10 +4319,10 @@
                               </m:sub>
                               <m:sup>
                                 <m:r>
-                                  <a:rPr lang="en-US" i="1">
+                                  <a:rPr lang="en-US" b="0" i="1" smtClean="0">
                                     <a:latin typeface="Cambria Math" panose="02040503050406030204" pitchFamily="18" charset="0"/>
                                   </a:rPr>
-                                  <m:t>𝑛</m:t>
+                                  <m:t>𝑇</m:t>
                                 </m:r>
                               </m:sup>
                               <m:e>
@@ -4329,10 +4344,10 @@
                                   </m:e>
                                   <m:sub>
                                     <m:r>
-                                      <a:rPr lang="en-US" i="1">
+                                      <a:rPr lang="en-US" b="0" i="1" smtClean="0">
                                         <a:latin typeface="Cambria Math" panose="02040503050406030204" pitchFamily="18" charset="0"/>
                                       </a:rPr>
-                                      <m:t>𝑖</m:t>
+                                      <m:t>𝑡</m:t>
                                     </m:r>
                                   </m:sub>
                                 </m:sSub>
@@ -4354,10 +4369,10 @@
                                   </m:e>
                                   <m:sub>
                                     <m:r>
-                                      <a:rPr lang="en-US" i="1">
+                                      <a:rPr lang="en-US" b="0" i="1" smtClean="0">
                                         <a:latin typeface="Cambria Math" panose="02040503050406030204" pitchFamily="18" charset="0"/>
                                       </a:rPr>
-                                      <m:t>𝑖</m:t>
+                                      <m:t>𝑡</m:t>
                                     </m:r>
                                   </m:sub>
                                 </m:sSub>
@@ -4390,7 +4405,7 @@
               </p:txBody>
             </p:sp>
           </mc:Choice>
-          <mc:Fallback xmlns="">
+          <mc:Fallback>
             <p:sp>
               <p:nvSpPr>
                 <p:cNvPr id="87" name="TextBox 86"/>
@@ -4402,12 +4417,12 @@
               <p:spPr>
                 <a:xfrm>
                   <a:off x="4830278" y="3998361"/>
-                  <a:ext cx="2883738" cy="848566"/>
+                  <a:ext cx="3032690" cy="984052"/>
                 </a:xfrm>
                 <a:prstGeom prst="rect">
                   <a:avLst/>
                 </a:prstGeom>
-                <a:blipFill rotWithShape="0">
+                <a:blipFill>
                   <a:blip r:embed="rId7"/>
                   <a:stretch>
                     <a:fillRect/>
